--- a/InstallingCommonPrograms/InstallingCommonPrograms.pptx
+++ b/InstallingCommonPrograms/InstallingCommonPrograms.pptx
@@ -6,6 +6,11 @@
   </p:sldMasterIdLst>
   <p:sldIdLst>
     <p:sldId id="256" r:id="rId2"/>
+    <p:sldId id="257" r:id="rId3"/>
+    <p:sldId id="258" r:id="rId4"/>
+    <p:sldId id="259" r:id="rId5"/>
+    <p:sldId id="260" r:id="rId6"/>
+    <p:sldId id="261" r:id="rId7"/>
   </p:sldIdLst>
   <p:sldSz cx="9144000" cy="6858000" type="screen4x3"/>
   <p:notesSz cx="6858000" cy="9144000"/>
@@ -3143,11 +3148,7 @@
             </a:r>
             <a:r>
               <a:rPr lang="en-US" dirty="0" smtClean="0"/>
-              <a:t> </a:t>
-            </a:r>
-            <a:r>
-              <a:rPr lang="en-US" dirty="0" smtClean="0"/>
-              <a:t>Loh</a:t>
+              <a:t> Loh</a:t>
             </a:r>
           </a:p>
           <a:p>
@@ -3155,20 +3156,11 @@
               <a:rPr lang="en-US" dirty="0" smtClean="0"/>
               <a:t>Suzan van der Lee</a:t>
             </a:r>
-            <a:endParaRPr lang="en-US" dirty="0" smtClean="0"/>
           </a:p>
           <a:p>
             <a:r>
               <a:rPr lang="en-US" dirty="0" smtClean="0"/>
-              <a:t>August </a:t>
-            </a:r>
-            <a:r>
-              <a:rPr lang="en-US" dirty="0" smtClean="0"/>
-              <a:t>3, </a:t>
-            </a:r>
-            <a:r>
-              <a:rPr lang="en-US" dirty="0" smtClean="0"/>
-              <a:t>2014</a:t>
+              <a:t>August 3, 2014</a:t>
             </a:r>
             <a:endParaRPr lang="en-US" dirty="0"/>
           </a:p>
@@ -3178,6 +3170,378 @@
     <p:extLst>
       <p:ext uri="{BB962C8B-B14F-4D97-AF65-F5344CB8AC3E}">
         <p14:creationId xmlns:p14="http://schemas.microsoft.com/office/powerpoint/2010/main" val="4101251583"/>
+      </p:ext>
+    </p:extLst>
+  </p:cSld>
+  <p:clrMapOvr>
+    <a:masterClrMapping/>
+  </p:clrMapOvr>
+</p:sld>
+</file>
+
+<file path=ppt/slides/slide2.xml><?xml version="1.0" encoding="utf-8"?>
+<p:sld xmlns:a="http://schemas.openxmlformats.org/drawingml/2006/main" xmlns:r="http://schemas.openxmlformats.org/officeDocument/2006/relationships" xmlns:p="http://schemas.openxmlformats.org/presentationml/2006/main">
+  <p:cSld>
+    <p:spTree>
+      <p:nvGrpSpPr>
+        <p:cNvPr id="1" name=""/>
+        <p:cNvGrpSpPr/>
+        <p:nvPr/>
+      </p:nvGrpSpPr>
+      <p:grpSpPr>
+        <a:xfrm>
+          <a:off x="0" y="0"/>
+          <a:ext cx="0" cy="0"/>
+          <a:chOff x="0" y="0"/>
+          <a:chExt cx="0" cy="0"/>
+        </a:xfrm>
+      </p:grpSpPr>
+      <p:sp>
+        <p:nvSpPr>
+          <p:cNvPr id="2" name="Title 1"/>
+          <p:cNvSpPr>
+            <a:spLocks noGrp="1"/>
+          </p:cNvSpPr>
+          <p:nvPr>
+            <p:ph type="title"/>
+          </p:nvPr>
+        </p:nvSpPr>
+        <p:spPr/>
+        <p:txBody>
+          <a:bodyPr/>
+          <a:lstStyle/>
+          <a:p>
+            <a:r>
+              <a:rPr lang="en-US" dirty="0" smtClean="0"/>
+              <a:t>Installing SAC</a:t>
+            </a:r>
+            <a:endParaRPr lang="en-US" dirty="0"/>
+          </a:p>
+        </p:txBody>
+      </p:sp>
+      <p:sp>
+        <p:nvSpPr>
+          <p:cNvPr id="3" name="Content Placeholder 2"/>
+          <p:cNvSpPr>
+            <a:spLocks noGrp="1"/>
+          </p:cNvSpPr>
+          <p:nvPr>
+            <p:ph idx="1"/>
+          </p:nvPr>
+        </p:nvSpPr>
+        <p:spPr/>
+        <p:txBody>
+          <a:bodyPr/>
+          <a:lstStyle/>
+          <a:p>
+            <a:endParaRPr lang="en-US"/>
+          </a:p>
+        </p:txBody>
+      </p:sp>
+    </p:spTree>
+    <p:extLst>
+      <p:ext uri="{BB962C8B-B14F-4D97-AF65-F5344CB8AC3E}">
+        <p14:creationId xmlns:p14="http://schemas.microsoft.com/office/powerpoint/2010/main" val="4073924252"/>
+      </p:ext>
+    </p:extLst>
+  </p:cSld>
+  <p:clrMapOvr>
+    <a:masterClrMapping/>
+  </p:clrMapOvr>
+</p:sld>
+</file>
+
+<file path=ppt/slides/slide3.xml><?xml version="1.0" encoding="utf-8"?>
+<p:sld xmlns:a="http://schemas.openxmlformats.org/drawingml/2006/main" xmlns:r="http://schemas.openxmlformats.org/officeDocument/2006/relationships" xmlns:p="http://schemas.openxmlformats.org/presentationml/2006/main">
+  <p:cSld>
+    <p:spTree>
+      <p:nvGrpSpPr>
+        <p:cNvPr id="1" name=""/>
+        <p:cNvGrpSpPr/>
+        <p:nvPr/>
+      </p:nvGrpSpPr>
+      <p:grpSpPr>
+        <a:xfrm>
+          <a:off x="0" y="0"/>
+          <a:ext cx="0" cy="0"/>
+          <a:chOff x="0" y="0"/>
+          <a:chExt cx="0" cy="0"/>
+        </a:xfrm>
+      </p:grpSpPr>
+      <p:sp>
+        <p:nvSpPr>
+          <p:cNvPr id="2" name="Title 1"/>
+          <p:cNvSpPr>
+            <a:spLocks noGrp="1"/>
+          </p:cNvSpPr>
+          <p:nvPr>
+            <p:ph type="title"/>
+          </p:nvPr>
+        </p:nvSpPr>
+        <p:spPr/>
+        <p:txBody>
+          <a:bodyPr/>
+          <a:lstStyle/>
+          <a:p>
+            <a:r>
+              <a:rPr lang="en-US" dirty="0" smtClean="0"/>
+              <a:t>Installing Python</a:t>
+            </a:r>
+            <a:endParaRPr lang="en-US" dirty="0"/>
+          </a:p>
+        </p:txBody>
+      </p:sp>
+      <p:sp>
+        <p:nvSpPr>
+          <p:cNvPr id="3" name="Content Placeholder 2"/>
+          <p:cNvSpPr>
+            <a:spLocks noGrp="1"/>
+          </p:cNvSpPr>
+          <p:nvPr>
+            <p:ph idx="1"/>
+          </p:nvPr>
+        </p:nvSpPr>
+        <p:spPr/>
+        <p:txBody>
+          <a:bodyPr/>
+          <a:lstStyle/>
+          <a:p>
+            <a:endParaRPr lang="en-US"/>
+          </a:p>
+        </p:txBody>
+      </p:sp>
+    </p:spTree>
+    <p:extLst>
+      <p:ext uri="{BB962C8B-B14F-4D97-AF65-F5344CB8AC3E}">
+        <p14:creationId xmlns:p14="http://schemas.microsoft.com/office/powerpoint/2010/main" val="2560964455"/>
+      </p:ext>
+    </p:extLst>
+  </p:cSld>
+  <p:clrMapOvr>
+    <a:masterClrMapping/>
+  </p:clrMapOvr>
+</p:sld>
+</file>
+
+<file path=ppt/slides/slide4.xml><?xml version="1.0" encoding="utf-8"?>
+<p:sld xmlns:a="http://schemas.openxmlformats.org/drawingml/2006/main" xmlns:r="http://schemas.openxmlformats.org/officeDocument/2006/relationships" xmlns:p="http://schemas.openxmlformats.org/presentationml/2006/main">
+  <p:cSld>
+    <p:spTree>
+      <p:nvGrpSpPr>
+        <p:cNvPr id="1" name=""/>
+        <p:cNvGrpSpPr/>
+        <p:nvPr/>
+      </p:nvGrpSpPr>
+      <p:grpSpPr>
+        <a:xfrm>
+          <a:off x="0" y="0"/>
+          <a:ext cx="0" cy="0"/>
+          <a:chOff x="0" y="0"/>
+          <a:chExt cx="0" cy="0"/>
+        </a:xfrm>
+      </p:grpSpPr>
+      <p:sp>
+        <p:nvSpPr>
+          <p:cNvPr id="2" name="Title 1"/>
+          <p:cNvSpPr>
+            <a:spLocks noGrp="1"/>
+          </p:cNvSpPr>
+          <p:nvPr>
+            <p:ph type="title"/>
+          </p:nvPr>
+        </p:nvSpPr>
+        <p:spPr/>
+        <p:txBody>
+          <a:bodyPr/>
+          <a:lstStyle/>
+          <a:p>
+            <a:r>
+              <a:rPr lang="en-US" dirty="0" smtClean="0"/>
+              <a:t>Installing </a:t>
+            </a:r>
+            <a:r>
+              <a:rPr lang="en-US" dirty="0" err="1" smtClean="0"/>
+              <a:t>Obspy</a:t>
+            </a:r>
+            <a:r>
+              <a:rPr lang="en-US" dirty="0" smtClean="0"/>
+              <a:t> </a:t>
+            </a:r>
+            <a:endParaRPr lang="en-US" dirty="0"/>
+          </a:p>
+        </p:txBody>
+      </p:sp>
+      <p:sp>
+        <p:nvSpPr>
+          <p:cNvPr id="3" name="Content Placeholder 2"/>
+          <p:cNvSpPr>
+            <a:spLocks noGrp="1"/>
+          </p:cNvSpPr>
+          <p:nvPr>
+            <p:ph idx="1"/>
+          </p:nvPr>
+        </p:nvSpPr>
+        <p:spPr/>
+        <p:txBody>
+          <a:bodyPr/>
+          <a:lstStyle/>
+          <a:p>
+            <a:endParaRPr lang="en-US"/>
+          </a:p>
+        </p:txBody>
+      </p:sp>
+    </p:spTree>
+    <p:extLst>
+      <p:ext uri="{BB962C8B-B14F-4D97-AF65-F5344CB8AC3E}">
+        <p14:creationId xmlns:p14="http://schemas.microsoft.com/office/powerpoint/2010/main" val="2604491869"/>
+      </p:ext>
+    </p:extLst>
+  </p:cSld>
+  <p:clrMapOvr>
+    <a:masterClrMapping/>
+  </p:clrMapOvr>
+</p:sld>
+</file>
+
+<file path=ppt/slides/slide5.xml><?xml version="1.0" encoding="utf-8"?>
+<p:sld xmlns:a="http://schemas.openxmlformats.org/drawingml/2006/main" xmlns:r="http://schemas.openxmlformats.org/officeDocument/2006/relationships" xmlns:p="http://schemas.openxmlformats.org/presentationml/2006/main">
+  <p:cSld>
+    <p:spTree>
+      <p:nvGrpSpPr>
+        <p:cNvPr id="1" name=""/>
+        <p:cNvGrpSpPr/>
+        <p:nvPr/>
+      </p:nvGrpSpPr>
+      <p:grpSpPr>
+        <a:xfrm>
+          <a:off x="0" y="0"/>
+          <a:ext cx="0" cy="0"/>
+          <a:chOff x="0" y="0"/>
+          <a:chExt cx="0" cy="0"/>
+        </a:xfrm>
+      </p:grpSpPr>
+      <p:sp>
+        <p:nvSpPr>
+          <p:cNvPr id="2" name="Title 1"/>
+          <p:cNvSpPr>
+            <a:spLocks noGrp="1"/>
+          </p:cNvSpPr>
+          <p:nvPr>
+            <p:ph type="title"/>
+          </p:nvPr>
+        </p:nvSpPr>
+        <p:spPr/>
+        <p:txBody>
+          <a:bodyPr/>
+          <a:lstStyle/>
+          <a:p>
+            <a:r>
+              <a:rPr lang="en-US" dirty="0" smtClean="0"/>
+              <a:t>Uninstalling programs</a:t>
+            </a:r>
+            <a:endParaRPr lang="en-US" dirty="0"/>
+          </a:p>
+        </p:txBody>
+      </p:sp>
+      <p:sp>
+        <p:nvSpPr>
+          <p:cNvPr id="3" name="Content Placeholder 2"/>
+          <p:cNvSpPr>
+            <a:spLocks noGrp="1"/>
+          </p:cNvSpPr>
+          <p:nvPr>
+            <p:ph idx="1"/>
+          </p:nvPr>
+        </p:nvSpPr>
+        <p:spPr/>
+        <p:txBody>
+          <a:bodyPr/>
+          <a:lstStyle/>
+          <a:p>
+            <a:endParaRPr lang="en-US" dirty="0"/>
+          </a:p>
+        </p:txBody>
+      </p:sp>
+    </p:spTree>
+    <p:extLst>
+      <p:ext uri="{BB962C8B-B14F-4D97-AF65-F5344CB8AC3E}">
+        <p14:creationId xmlns:p14="http://schemas.microsoft.com/office/powerpoint/2010/main" val="3870166851"/>
+      </p:ext>
+    </p:extLst>
+  </p:cSld>
+  <p:clrMapOvr>
+    <a:masterClrMapping/>
+  </p:clrMapOvr>
+</p:sld>
+</file>
+
+<file path=ppt/slides/slide6.xml><?xml version="1.0" encoding="utf-8"?>
+<p:sld xmlns:a="http://schemas.openxmlformats.org/drawingml/2006/main" xmlns:r="http://schemas.openxmlformats.org/officeDocument/2006/relationships" xmlns:p="http://schemas.openxmlformats.org/presentationml/2006/main">
+  <p:cSld>
+    <p:spTree>
+      <p:nvGrpSpPr>
+        <p:cNvPr id="1" name=""/>
+        <p:cNvGrpSpPr/>
+        <p:nvPr/>
+      </p:nvGrpSpPr>
+      <p:grpSpPr>
+        <a:xfrm>
+          <a:off x="0" y="0"/>
+          <a:ext cx="0" cy="0"/>
+          <a:chOff x="0" y="0"/>
+          <a:chExt cx="0" cy="0"/>
+        </a:xfrm>
+      </p:grpSpPr>
+      <p:sp>
+        <p:nvSpPr>
+          <p:cNvPr id="2" name="Title 1"/>
+          <p:cNvSpPr>
+            <a:spLocks noGrp="1"/>
+          </p:cNvSpPr>
+          <p:nvPr>
+            <p:ph type="title"/>
+          </p:nvPr>
+        </p:nvSpPr>
+        <p:spPr/>
+        <p:txBody>
+          <a:bodyPr/>
+          <a:lstStyle/>
+          <a:p>
+            <a:r>
+              <a:rPr lang="en-US" dirty="0" smtClean="0"/>
+              <a:t>Bash </a:t>
+            </a:r>
+            <a:r>
+              <a:rPr lang="en-US" smtClean="0"/>
+              <a:t>configuration File</a:t>
+            </a:r>
+            <a:endParaRPr lang="en-US" dirty="0"/>
+          </a:p>
+        </p:txBody>
+      </p:sp>
+      <p:sp>
+        <p:nvSpPr>
+          <p:cNvPr id="3" name="Content Placeholder 2"/>
+          <p:cNvSpPr>
+            <a:spLocks noGrp="1"/>
+          </p:cNvSpPr>
+          <p:nvPr>
+            <p:ph idx="1"/>
+          </p:nvPr>
+        </p:nvSpPr>
+        <p:spPr/>
+        <p:txBody>
+          <a:bodyPr/>
+          <a:lstStyle/>
+          <a:p>
+            <a:endParaRPr lang="en-US"/>
+          </a:p>
+        </p:txBody>
+      </p:sp>
+    </p:spTree>
+    <p:extLst>
+      <p:ext uri="{BB962C8B-B14F-4D97-AF65-F5344CB8AC3E}">
+        <p14:creationId xmlns:p14="http://schemas.microsoft.com/office/powerpoint/2010/main" val="3216832506"/>
       </p:ext>
     </p:extLst>
   </p:cSld>

--- a/InstallingCommonPrograms/InstallingCommonPrograms.pptx
+++ b/InstallingCommonPrograms/InstallingCommonPrograms.pptx
@@ -9,8 +9,8 @@
     <p:sldId id="257" r:id="rId3"/>
     <p:sldId id="258" r:id="rId4"/>
     <p:sldId id="259" r:id="rId5"/>
-    <p:sldId id="260" r:id="rId6"/>
-    <p:sldId id="261" r:id="rId7"/>
+    <p:sldId id="261" r:id="rId6"/>
+    <p:sldId id="260" r:id="rId7"/>
   </p:sldIdLst>
   <p:sldSz cx="9144000" cy="6858000" type="screen4x3"/>
   <p:notesSz cx="6858000" cy="9144000"/>
@@ -3437,7 +3437,7 @@
           <a:p>
             <a:r>
               <a:rPr lang="en-US" dirty="0" smtClean="0"/>
-              <a:t>Uninstalling programs</a:t>
+              <a:t>Bash configuration File</a:t>
             </a:r>
             <a:endParaRPr lang="en-US" dirty="0"/>
           </a:p>
@@ -3458,14 +3458,14 @@
           <a:bodyPr/>
           <a:lstStyle/>
           <a:p>
-            <a:endParaRPr lang="en-US" dirty="0"/>
+            <a:endParaRPr lang="en-US"/>
           </a:p>
         </p:txBody>
       </p:sp>
     </p:spTree>
     <p:extLst>
       <p:ext uri="{BB962C8B-B14F-4D97-AF65-F5344CB8AC3E}">
-        <p14:creationId xmlns:p14="http://schemas.microsoft.com/office/powerpoint/2010/main" val="3870166851"/>
+        <p14:creationId xmlns:p14="http://schemas.microsoft.com/office/powerpoint/2010/main" val="3216832506"/>
       </p:ext>
     </p:extLst>
   </p:cSld>
@@ -3509,11 +3509,7 @@
           <a:p>
             <a:r>
               <a:rPr lang="en-US" dirty="0" smtClean="0"/>
-              <a:t>Bash </a:t>
-            </a:r>
-            <a:r>
-              <a:rPr lang="en-US" smtClean="0"/>
-              <a:t>configuration File</a:t>
+              <a:t>Uninstalling programs</a:t>
             </a:r>
             <a:endParaRPr lang="en-US" dirty="0"/>
           </a:p>
@@ -3534,14 +3530,14 @@
           <a:bodyPr/>
           <a:lstStyle/>
           <a:p>
-            <a:endParaRPr lang="en-US"/>
+            <a:endParaRPr lang="en-US" dirty="0"/>
           </a:p>
         </p:txBody>
       </p:sp>
     </p:spTree>
     <p:extLst>
       <p:ext uri="{BB962C8B-B14F-4D97-AF65-F5344CB8AC3E}">
-        <p14:creationId xmlns:p14="http://schemas.microsoft.com/office/powerpoint/2010/main" val="3216832506"/>
+        <p14:creationId xmlns:p14="http://schemas.microsoft.com/office/powerpoint/2010/main" val="3870166851"/>
       </p:ext>
     </p:extLst>
   </p:cSld>

--- a/InstallingCommonPrograms/InstallingCommonPrograms.pptx
+++ b/InstallingCommonPrograms/InstallingCommonPrograms.pptx
@@ -6,11 +6,15 @@
   </p:sldMasterIdLst>
   <p:sldIdLst>
     <p:sldId id="256" r:id="rId2"/>
-    <p:sldId id="257" r:id="rId3"/>
-    <p:sldId id="258" r:id="rId4"/>
-    <p:sldId id="259" r:id="rId5"/>
-    <p:sldId id="261" r:id="rId6"/>
-    <p:sldId id="260" r:id="rId7"/>
+    <p:sldId id="263" r:id="rId3"/>
+    <p:sldId id="260" r:id="rId4"/>
+    <p:sldId id="261" r:id="rId5"/>
+    <p:sldId id="265" r:id="rId6"/>
+    <p:sldId id="262" r:id="rId7"/>
+    <p:sldId id="257" r:id="rId8"/>
+    <p:sldId id="258" r:id="rId9"/>
+    <p:sldId id="264" r:id="rId10"/>
+    <p:sldId id="259" r:id="rId11"/>
   </p:sldIdLst>
   <p:sldSz cx="9144000" cy="6858000" type="screen4x3"/>
   <p:notesSz cx="6858000" cy="9144000"/>
@@ -293,7 +297,7 @@
           <a:p>
             <a:fld id="{6EB5AF22-7E07-4B46-95AE-FB6A415E8F1F}" type="datetimeFigureOut">
               <a:rPr lang="en-US" smtClean="0"/>
-              <a:t>7/10/14</a:t>
+              <a:t>7/14/14</a:t>
             </a:fld>
             <a:endParaRPr lang="en-US"/>
           </a:p>
@@ -463,7 +467,7 @@
           <a:p>
             <a:fld id="{6EB5AF22-7E07-4B46-95AE-FB6A415E8F1F}" type="datetimeFigureOut">
               <a:rPr lang="en-US" smtClean="0"/>
-              <a:t>7/10/14</a:t>
+              <a:t>7/14/14</a:t>
             </a:fld>
             <a:endParaRPr lang="en-US"/>
           </a:p>
@@ -643,7 +647,7 @@
           <a:p>
             <a:fld id="{6EB5AF22-7E07-4B46-95AE-FB6A415E8F1F}" type="datetimeFigureOut">
               <a:rPr lang="en-US" smtClean="0"/>
-              <a:t>7/10/14</a:t>
+              <a:t>7/14/14</a:t>
             </a:fld>
             <a:endParaRPr lang="en-US"/>
           </a:p>
@@ -813,7 +817,7 @@
           <a:p>
             <a:fld id="{6EB5AF22-7E07-4B46-95AE-FB6A415E8F1F}" type="datetimeFigureOut">
               <a:rPr lang="en-US" smtClean="0"/>
-              <a:t>7/10/14</a:t>
+              <a:t>7/14/14</a:t>
             </a:fld>
             <a:endParaRPr lang="en-US"/>
           </a:p>
@@ -1059,7 +1063,7 @@
           <a:p>
             <a:fld id="{6EB5AF22-7E07-4B46-95AE-FB6A415E8F1F}" type="datetimeFigureOut">
               <a:rPr lang="en-US" smtClean="0"/>
-              <a:t>7/10/14</a:t>
+              <a:t>7/14/14</a:t>
             </a:fld>
             <a:endParaRPr lang="en-US"/>
           </a:p>
@@ -1347,7 +1351,7 @@
           <a:p>
             <a:fld id="{6EB5AF22-7E07-4B46-95AE-FB6A415E8F1F}" type="datetimeFigureOut">
               <a:rPr lang="en-US" smtClean="0"/>
-              <a:t>7/10/14</a:t>
+              <a:t>7/14/14</a:t>
             </a:fld>
             <a:endParaRPr lang="en-US"/>
           </a:p>
@@ -1769,7 +1773,7 @@
           <a:p>
             <a:fld id="{6EB5AF22-7E07-4B46-95AE-FB6A415E8F1F}" type="datetimeFigureOut">
               <a:rPr lang="en-US" smtClean="0"/>
-              <a:t>7/10/14</a:t>
+              <a:t>7/14/14</a:t>
             </a:fld>
             <a:endParaRPr lang="en-US"/>
           </a:p>
@@ -1887,7 +1891,7 @@
           <a:p>
             <a:fld id="{6EB5AF22-7E07-4B46-95AE-FB6A415E8F1F}" type="datetimeFigureOut">
               <a:rPr lang="en-US" smtClean="0"/>
-              <a:t>7/10/14</a:t>
+              <a:t>7/14/14</a:t>
             </a:fld>
             <a:endParaRPr lang="en-US"/>
           </a:p>
@@ -1982,7 +1986,7 @@
           <a:p>
             <a:fld id="{6EB5AF22-7E07-4B46-95AE-FB6A415E8F1F}" type="datetimeFigureOut">
               <a:rPr lang="en-US" smtClean="0"/>
-              <a:t>7/10/14</a:t>
+              <a:t>7/14/14</a:t>
             </a:fld>
             <a:endParaRPr lang="en-US"/>
           </a:p>
@@ -2259,7 +2263,7 @@
           <a:p>
             <a:fld id="{6EB5AF22-7E07-4B46-95AE-FB6A415E8F1F}" type="datetimeFigureOut">
               <a:rPr lang="en-US" smtClean="0"/>
-              <a:t>7/10/14</a:t>
+              <a:t>7/14/14</a:t>
             </a:fld>
             <a:endParaRPr lang="en-US"/>
           </a:p>
@@ -2512,7 +2516,7 @@
           <a:p>
             <a:fld id="{6EB5AF22-7E07-4B46-95AE-FB6A415E8F1F}" type="datetimeFigureOut">
               <a:rPr lang="en-US" smtClean="0"/>
-              <a:t>7/10/14</a:t>
+              <a:t>7/14/14</a:t>
             </a:fld>
             <a:endParaRPr lang="en-US"/>
           </a:p>
@@ -2725,7 +2729,7 @@
           <a:p>
             <a:fld id="{6EB5AF22-7E07-4B46-95AE-FB6A415E8F1F}" type="datetimeFigureOut">
               <a:rPr lang="en-US" smtClean="0"/>
-              <a:t>7/10/14</a:t>
+              <a:t>7/14/14</a:t>
             </a:fld>
             <a:endParaRPr lang="en-US"/>
           </a:p>
@@ -3179,6 +3183,86 @@
 </p:sld>
 </file>
 
+<file path=ppt/slides/slide10.xml><?xml version="1.0" encoding="utf-8"?>
+<p:sld xmlns:a="http://schemas.openxmlformats.org/drawingml/2006/main" xmlns:r="http://schemas.openxmlformats.org/officeDocument/2006/relationships" xmlns:p="http://schemas.openxmlformats.org/presentationml/2006/main">
+  <p:cSld>
+    <p:spTree>
+      <p:nvGrpSpPr>
+        <p:cNvPr id="1" name=""/>
+        <p:cNvGrpSpPr/>
+        <p:nvPr/>
+      </p:nvGrpSpPr>
+      <p:grpSpPr>
+        <a:xfrm>
+          <a:off x="0" y="0"/>
+          <a:ext cx="0" cy="0"/>
+          <a:chOff x="0" y="0"/>
+          <a:chExt cx="0" cy="0"/>
+        </a:xfrm>
+      </p:grpSpPr>
+      <p:sp>
+        <p:nvSpPr>
+          <p:cNvPr id="2" name="Title 1"/>
+          <p:cNvSpPr>
+            <a:spLocks noGrp="1"/>
+          </p:cNvSpPr>
+          <p:nvPr>
+            <p:ph type="title"/>
+          </p:nvPr>
+        </p:nvSpPr>
+        <p:spPr/>
+        <p:txBody>
+          <a:bodyPr/>
+          <a:lstStyle/>
+          <a:p>
+            <a:r>
+              <a:rPr lang="en-US" dirty="0" smtClean="0"/>
+              <a:t>Installing </a:t>
+            </a:r>
+            <a:r>
+              <a:rPr lang="en-US" dirty="0" err="1" smtClean="0"/>
+              <a:t>Obspy</a:t>
+            </a:r>
+            <a:r>
+              <a:rPr lang="en-US" dirty="0" smtClean="0"/>
+              <a:t> </a:t>
+            </a:r>
+            <a:endParaRPr lang="en-US" dirty="0"/>
+          </a:p>
+        </p:txBody>
+      </p:sp>
+      <p:sp>
+        <p:nvSpPr>
+          <p:cNvPr id="3" name="Content Placeholder 2"/>
+          <p:cNvSpPr>
+            <a:spLocks noGrp="1"/>
+          </p:cNvSpPr>
+          <p:nvPr>
+            <p:ph idx="1"/>
+          </p:nvPr>
+        </p:nvSpPr>
+        <p:spPr/>
+        <p:txBody>
+          <a:bodyPr/>
+          <a:lstStyle/>
+          <a:p>
+            <a:endParaRPr lang="en-US"/>
+          </a:p>
+        </p:txBody>
+      </p:sp>
+    </p:spTree>
+    <p:extLst>
+      <p:ext uri="{BB962C8B-B14F-4D97-AF65-F5344CB8AC3E}">
+        <p14:creationId xmlns:p14="http://schemas.microsoft.com/office/powerpoint/2010/main" val="2604491869"/>
+      </p:ext>
+    </p:extLst>
+  </p:cSld>
+  <p:clrMapOvr>
+    <a:masterClrMapping/>
+  </p:clrMapOvr>
+</p:sld>
+</file>
+
 <file path=ppt/slides/slide2.xml><?xml version="1.0" encoding="utf-8"?>
 <p:sld xmlns:a="http://schemas.openxmlformats.org/drawingml/2006/main" xmlns:r="http://schemas.openxmlformats.org/officeDocument/2006/relationships" xmlns:p="http://schemas.openxmlformats.org/presentationml/2006/main">
   <p:cSld>
@@ -3213,35 +3297,119 @@
           <a:p>
             <a:r>
               <a:rPr lang="en-US" dirty="0" smtClean="0"/>
+              <a:t>Contents</a:t>
+            </a:r>
+            <a:endParaRPr lang="en-US" dirty="0"/>
+          </a:p>
+        </p:txBody>
+      </p:sp>
+      <p:sp>
+        <p:nvSpPr>
+          <p:cNvPr id="3" name="Content Placeholder 2"/>
+          <p:cNvSpPr>
+            <a:spLocks noGrp="1"/>
+          </p:cNvSpPr>
+          <p:nvPr>
+            <p:ph idx="1"/>
+          </p:nvPr>
+        </p:nvSpPr>
+        <p:spPr/>
+        <p:txBody>
+          <a:bodyPr>
+            <a:normAutofit fontScale="85000" lnSpcReduction="20000"/>
+          </a:bodyPr>
+          <a:lstStyle/>
+          <a:p>
+            <a:r>
+              <a:rPr lang="en-US" dirty="0"/>
+              <a:t>Uninstalling </a:t>
+            </a:r>
+            <a:r>
+              <a:rPr lang="en-US" dirty="0" smtClean="0"/>
+              <a:t>programs</a:t>
+            </a:r>
+          </a:p>
+          <a:p>
+            <a:r>
+              <a:rPr lang="en-US" dirty="0" smtClean="0"/>
+              <a:t>Configuring the UNIX system</a:t>
+            </a:r>
+          </a:p>
+          <a:p>
+            <a:r>
+              <a:rPr lang="en-US" dirty="0" smtClean="0"/>
+              <a:t>Seismic Analysis Code (SAC)</a:t>
+            </a:r>
+          </a:p>
+          <a:p>
+            <a:pPr lvl="1"/>
+            <a:r>
+              <a:rPr lang="en-US" dirty="0" smtClean="0"/>
+              <a:t>Introduction</a:t>
+            </a:r>
+          </a:p>
+          <a:p>
+            <a:pPr lvl="1"/>
+            <a:r>
+              <a:rPr lang="en-US" dirty="0" smtClean="0"/>
               <a:t>Installing SAC</a:t>
             </a:r>
-            <a:endParaRPr lang="en-US" dirty="0"/>
-          </a:p>
-        </p:txBody>
-      </p:sp>
-      <p:sp>
-        <p:nvSpPr>
-          <p:cNvPr id="3" name="Content Placeholder 2"/>
-          <p:cNvSpPr>
-            <a:spLocks noGrp="1"/>
-          </p:cNvSpPr>
-          <p:nvPr>
-            <p:ph idx="1"/>
-          </p:nvPr>
-        </p:nvSpPr>
-        <p:spPr/>
-        <p:txBody>
-          <a:bodyPr/>
-          <a:lstStyle/>
-          <a:p>
-            <a:endParaRPr lang="en-US"/>
+          </a:p>
+          <a:p>
+            <a:r>
+              <a:rPr lang="en-US" dirty="0" smtClean="0"/>
+              <a:t>Python</a:t>
+            </a:r>
+          </a:p>
+          <a:p>
+            <a:pPr lvl="1"/>
+            <a:r>
+              <a:rPr lang="en-US" dirty="0" smtClean="0"/>
+              <a:t>Introduction</a:t>
+            </a:r>
+          </a:p>
+          <a:p>
+            <a:pPr lvl="1"/>
+            <a:r>
+              <a:rPr lang="en-US" dirty="0" smtClean="0"/>
+              <a:t>Installing Python</a:t>
+            </a:r>
+          </a:p>
+          <a:p>
+            <a:r>
+              <a:rPr lang="en-US" dirty="0" err="1" smtClean="0"/>
+              <a:t>Obspy</a:t>
+            </a:r>
+            <a:endParaRPr lang="en-US" dirty="0" smtClean="0"/>
+          </a:p>
+          <a:p>
+            <a:pPr lvl="1"/>
+            <a:r>
+              <a:rPr lang="en-US" dirty="0" smtClean="0"/>
+              <a:t>Introduction</a:t>
+            </a:r>
+          </a:p>
+          <a:p>
+            <a:pPr lvl="1"/>
+            <a:r>
+              <a:rPr lang="en-US" dirty="0" smtClean="0"/>
+              <a:t>Installing </a:t>
+            </a:r>
+            <a:r>
+              <a:rPr lang="en-US" dirty="0" err="1" smtClean="0"/>
+              <a:t>Obspy</a:t>
+            </a:r>
+            <a:endParaRPr lang="en-US" dirty="0" smtClean="0"/>
+          </a:p>
+          <a:p>
+            <a:endParaRPr lang="en-US" dirty="0" smtClean="0"/>
           </a:p>
         </p:txBody>
       </p:sp>
     </p:spTree>
     <p:extLst>
       <p:ext uri="{BB962C8B-B14F-4D97-AF65-F5344CB8AC3E}">
-        <p14:creationId xmlns:p14="http://schemas.microsoft.com/office/powerpoint/2010/main" val="4073924252"/>
+        <p14:creationId xmlns:p14="http://schemas.microsoft.com/office/powerpoint/2010/main" val="1036700446"/>
       </p:ext>
     </p:extLst>
   </p:cSld>
@@ -3285,7 +3453,7 @@
           <a:p>
             <a:r>
               <a:rPr lang="en-US" dirty="0" smtClean="0"/>
-              <a:t>Installing Python</a:t>
+              <a:t>Uninstalling programs</a:t>
             </a:r>
             <a:endParaRPr lang="en-US" dirty="0"/>
           </a:p>
@@ -3306,14 +3474,67 @@
           <a:bodyPr/>
           <a:lstStyle/>
           <a:p>
-            <a:endParaRPr lang="en-US"/>
+            <a:r>
+              <a:rPr lang="en-US" dirty="0" smtClean="0"/>
+              <a:t>Check if the program exists first</a:t>
+            </a:r>
+          </a:p>
+          <a:p>
+            <a:pPr lvl="1"/>
+            <a:r>
+              <a:rPr lang="en-US" b="1" dirty="0"/>
+              <a:t>w</a:t>
+            </a:r>
+            <a:r>
+              <a:rPr lang="en-US" b="1" dirty="0" smtClean="0"/>
+              <a:t>hich &lt;name-of-program&gt;</a:t>
+            </a:r>
+          </a:p>
+          <a:p>
+            <a:r>
+              <a:rPr lang="en-US" b="1" dirty="0" err="1" smtClean="0"/>
+              <a:t>Sudo</a:t>
+            </a:r>
+            <a:r>
+              <a:rPr lang="en-US" b="1" dirty="0" smtClean="0"/>
+              <a:t> </a:t>
+            </a:r>
+            <a:r>
+              <a:rPr lang="en-US" b="1" dirty="0" err="1" smtClean="0"/>
+              <a:t>rm</a:t>
+            </a:r>
+            <a:r>
+              <a:rPr lang="en-US" b="1" dirty="0" smtClean="0"/>
+              <a:t> &lt;path-to-program&gt;</a:t>
+            </a:r>
+          </a:p>
+          <a:p>
+            <a:r>
+              <a:rPr lang="en-US" dirty="0" smtClean="0"/>
+              <a:t>Repeat until </a:t>
+            </a:r>
+            <a:r>
+              <a:rPr lang="en-US" b="1" dirty="0" smtClean="0"/>
+              <a:t>which &lt;name-of-program&gt; </a:t>
+            </a:r>
+            <a:r>
+              <a:rPr lang="en-US" dirty="0" smtClean="0"/>
+              <a:t>shows up nothing in terminal</a:t>
+            </a:r>
+          </a:p>
+          <a:p>
+            <a:r>
+              <a:rPr lang="en-US" dirty="0" smtClean="0"/>
+              <a:t>Delete path to scripts in bash file, if appropriate</a:t>
+            </a:r>
+            <a:endParaRPr lang="en-US" dirty="0"/>
           </a:p>
         </p:txBody>
       </p:sp>
     </p:spTree>
     <p:extLst>
       <p:ext uri="{BB962C8B-B14F-4D97-AF65-F5344CB8AC3E}">
-        <p14:creationId xmlns:p14="http://schemas.microsoft.com/office/powerpoint/2010/main" val="2560964455"/>
+        <p14:creationId xmlns:p14="http://schemas.microsoft.com/office/powerpoint/2010/main" val="3870166851"/>
       </p:ext>
     </p:extLst>
   </p:cSld>
@@ -3357,15 +3578,72 @@
           <a:p>
             <a:r>
               <a:rPr lang="en-US" dirty="0" smtClean="0"/>
-              <a:t>Installing </a:t>
+              <a:t>Configuring the UNIX system</a:t>
+            </a:r>
+            <a:endParaRPr lang="en-US" dirty="0"/>
+          </a:p>
+        </p:txBody>
+      </p:sp>
+      <p:sp>
+        <p:nvSpPr>
+          <p:cNvPr id="3" name="Content Placeholder 2"/>
+          <p:cNvSpPr>
+            <a:spLocks noGrp="1"/>
+          </p:cNvSpPr>
+          <p:nvPr>
+            <p:ph idx="1"/>
+          </p:nvPr>
+        </p:nvSpPr>
+        <p:spPr/>
+        <p:txBody>
+          <a:bodyPr/>
+          <a:lstStyle/>
+          <a:p>
+            <a:r>
+              <a:rPr lang="en-US" dirty="0" smtClean="0"/>
+              <a:t>Unix shells read the .</a:t>
             </a:r>
             <a:r>
               <a:rPr lang="en-US" dirty="0" err="1" smtClean="0"/>
-              <a:t>Obspy</a:t>
-            </a:r>
-            <a:r>
-              <a:rPr lang="en-US" dirty="0" smtClean="0"/>
-              <a:t> </a:t>
+              <a:t>bashrc</a:t>
+            </a:r>
+            <a:r>
+              <a:rPr lang="en-US" dirty="0" smtClean="0"/>
+              <a:t> file when starting and execute commands contained in them</a:t>
+            </a:r>
+          </a:p>
+          <a:p>
+            <a:pPr lvl="1"/>
+            <a:r>
+              <a:rPr lang="en-US" dirty="0" smtClean="0"/>
+              <a:t>Shell commands</a:t>
+            </a:r>
+          </a:p>
+          <a:p>
+            <a:pPr lvl="1"/>
+            <a:r>
+              <a:rPr lang="en-US" dirty="0" smtClean="0"/>
+              <a:t>set aliases</a:t>
+            </a:r>
+          </a:p>
+          <a:p>
+            <a:pPr lvl="1"/>
+            <a:r>
+              <a:rPr lang="en-US" dirty="0" smtClean="0"/>
+              <a:t>Set new environment variables</a:t>
+            </a:r>
+          </a:p>
+          <a:p>
+            <a:r>
+              <a:rPr lang="en-US" dirty="0" smtClean="0"/>
+              <a:t>Profile file</a:t>
+            </a:r>
+          </a:p>
+          <a:p>
+            <a:pPr lvl="1"/>
+            <a:r>
+              <a:rPr lang="en-US" dirty="0" smtClean="0"/>
+              <a:t>Search for file name</a:t>
             </a:r>
             <a:endParaRPr lang="en-US" dirty="0"/>
           </a:p>
@@ -3373,27 +3651,53 @@
       </p:sp>
       <p:sp>
         <p:nvSpPr>
-          <p:cNvPr id="3" name="Content Placeholder 2"/>
-          <p:cNvSpPr>
-            <a:spLocks noGrp="1"/>
-          </p:cNvSpPr>
-          <p:nvPr>
-            <p:ph idx="1"/>
-          </p:nvPr>
-        </p:nvSpPr>
-        <p:spPr/>
-        <p:txBody>
-          <a:bodyPr/>
-          <a:lstStyle/>
-          <a:p>
-            <a:endParaRPr lang="en-US"/>
+          <p:cNvPr id="4" name="TextBox 3"/>
+          <p:cNvSpPr txBox="1"/>
+          <p:nvPr/>
+        </p:nvSpPr>
+        <p:spPr>
+          <a:xfrm>
+            <a:off x="2868344" y="6438952"/>
+            <a:ext cx="6275656" cy="369332"/>
+          </a:xfrm>
+          <a:prstGeom prst="rect">
+            <a:avLst/>
+          </a:prstGeom>
+          <a:noFill/>
+        </p:spPr>
+        <p:txBody>
+          <a:bodyPr wrap="square" rtlCol="0">
+            <a:spAutoFit/>
+          </a:bodyPr>
+          <a:lstStyle/>
+          <a:p>
+            <a:r>
+              <a:rPr lang="en-US" dirty="0"/>
+              <a:t>http://</a:t>
+            </a:r>
+            <a:r>
+              <a:rPr lang="en-US" dirty="0" err="1"/>
+              <a:t>superuser.com</a:t>
+            </a:r>
+            <a:r>
+              <a:rPr lang="en-US" dirty="0"/>
+              <a:t>/questions/49289/what-is-the-</a:t>
+            </a:r>
+            <a:r>
+              <a:rPr lang="en-US" dirty="0" err="1"/>
+              <a:t>bashrc</a:t>
+            </a:r>
+            <a:r>
+              <a:rPr lang="en-US" dirty="0"/>
+              <a:t>-file</a:t>
+            </a:r>
           </a:p>
         </p:txBody>
       </p:sp>
     </p:spTree>
     <p:extLst>
       <p:ext uri="{BB962C8B-B14F-4D97-AF65-F5344CB8AC3E}">
-        <p14:creationId xmlns:p14="http://schemas.microsoft.com/office/powerpoint/2010/main" val="2604491869"/>
+        <p14:creationId xmlns:p14="http://schemas.microsoft.com/office/powerpoint/2010/main" val="3216832506"/>
       </p:ext>
     </p:extLst>
   </p:cSld>
@@ -3437,7 +3741,7 @@
           <a:p>
             <a:r>
               <a:rPr lang="en-US" dirty="0" smtClean="0"/>
-              <a:t>Bash configuration File</a:t>
+              <a:t>Adding a script to be sourced</a:t>
             </a:r>
             <a:endParaRPr lang="en-US" dirty="0"/>
           </a:p>
@@ -3458,14 +3762,18 @@
           <a:bodyPr/>
           <a:lstStyle/>
           <a:p>
-            <a:endParaRPr lang="en-US"/>
+            <a:r>
+              <a:rPr lang="en-US" smtClean="0"/>
+              <a:t>Download</a:t>
+            </a:r>
+            <a:endParaRPr lang="en-US" dirty="0"/>
           </a:p>
         </p:txBody>
       </p:sp>
     </p:spTree>
     <p:extLst>
       <p:ext uri="{BB962C8B-B14F-4D97-AF65-F5344CB8AC3E}">
-        <p14:creationId xmlns:p14="http://schemas.microsoft.com/office/powerpoint/2010/main" val="3216832506"/>
+        <p14:creationId xmlns:p14="http://schemas.microsoft.com/office/powerpoint/2010/main" val="1135984778"/>
       </p:ext>
     </p:extLst>
   </p:cSld>
@@ -3509,7 +3817,7 @@
           <a:p>
             <a:r>
               <a:rPr lang="en-US" dirty="0" smtClean="0"/>
-              <a:t>Uninstalling programs</a:t>
+              <a:t>Seismic Analysis Code (SAC)</a:t>
             </a:r>
             <a:endParaRPr lang="en-US" dirty="0"/>
           </a:p>
@@ -3527,9 +3835,84 @@
         </p:nvSpPr>
         <p:spPr/>
         <p:txBody>
-          <a:bodyPr/>
-          <a:lstStyle/>
-          <a:p>
+          <a:bodyPr>
+            <a:normAutofit fontScale="92500" lnSpcReduction="20000"/>
+          </a:bodyPr>
+          <a:lstStyle/>
+          <a:p>
+            <a:r>
+              <a:rPr lang="en-US" dirty="0" smtClean="0"/>
+              <a:t>Interactive program</a:t>
+            </a:r>
+          </a:p>
+          <a:p>
+            <a:r>
+              <a:rPr lang="en-US" dirty="0" smtClean="0"/>
+              <a:t>Used to study </a:t>
+            </a:r>
+          </a:p>
+          <a:p>
+            <a:pPr lvl="1"/>
+            <a:r>
+              <a:rPr lang="en-US" dirty="0" smtClean="0"/>
+              <a:t>sequential signals</a:t>
+            </a:r>
+          </a:p>
+          <a:p>
+            <a:pPr lvl="1"/>
+            <a:r>
+              <a:rPr lang="en-US" dirty="0" smtClean="0"/>
+              <a:t>Time series data</a:t>
+            </a:r>
+          </a:p>
+          <a:p>
+            <a:r>
+              <a:rPr lang="en-US" dirty="0" smtClean="0"/>
+              <a:t>Analytic capabilities</a:t>
+            </a:r>
+          </a:p>
+          <a:p>
+            <a:pPr lvl="1"/>
+            <a:r>
+              <a:rPr lang="en-US" dirty="0" smtClean="0"/>
+              <a:t>Arithmetic operations</a:t>
+            </a:r>
+          </a:p>
+          <a:p>
+            <a:pPr lvl="1"/>
+            <a:r>
+              <a:rPr lang="en-US" dirty="0" smtClean="0"/>
+              <a:t>Fourier transforms</a:t>
+            </a:r>
+          </a:p>
+          <a:p>
+            <a:pPr lvl="1"/>
+            <a:r>
+              <a:rPr lang="en-US" dirty="0" smtClean="0"/>
+              <a:t>Filtering</a:t>
+            </a:r>
+          </a:p>
+          <a:p>
+            <a:pPr lvl="1"/>
+            <a:r>
+              <a:rPr lang="en-US" dirty="0" smtClean="0"/>
+              <a:t>Stacking</a:t>
+            </a:r>
+          </a:p>
+          <a:p>
+            <a:r>
+              <a:rPr lang="en-US" dirty="0" smtClean="0"/>
+              <a:t>Plotting seismograms </a:t>
+            </a:r>
+          </a:p>
+          <a:p>
+            <a:pPr lvl="1"/>
+            <a:endParaRPr lang="en-US" dirty="0" smtClean="0"/>
+          </a:p>
+          <a:p>
+            <a:pPr marL="457200" lvl="1" indent="0">
+              <a:buNone/>
+            </a:pPr>
             <a:endParaRPr lang="en-US" dirty="0"/>
           </a:p>
         </p:txBody>
@@ -3537,7 +3920,308 @@
     </p:spTree>
     <p:extLst>
       <p:ext uri="{BB962C8B-B14F-4D97-AF65-F5344CB8AC3E}">
-        <p14:creationId xmlns:p14="http://schemas.microsoft.com/office/powerpoint/2010/main" val="3870166851"/>
+        <p14:creationId xmlns:p14="http://schemas.microsoft.com/office/powerpoint/2010/main" val="4040782850"/>
+      </p:ext>
+    </p:extLst>
+  </p:cSld>
+  <p:clrMapOvr>
+    <a:masterClrMapping/>
+  </p:clrMapOvr>
+</p:sld>
+</file>
+
+<file path=ppt/slides/slide7.xml><?xml version="1.0" encoding="utf-8"?>
+<p:sld xmlns:a="http://schemas.openxmlformats.org/drawingml/2006/main" xmlns:r="http://schemas.openxmlformats.org/officeDocument/2006/relationships" xmlns:p="http://schemas.openxmlformats.org/presentationml/2006/main">
+  <p:cSld>
+    <p:spTree>
+      <p:nvGrpSpPr>
+        <p:cNvPr id="1" name=""/>
+        <p:cNvGrpSpPr/>
+        <p:nvPr/>
+      </p:nvGrpSpPr>
+      <p:grpSpPr>
+        <a:xfrm>
+          <a:off x="0" y="0"/>
+          <a:ext cx="0" cy="0"/>
+          <a:chOff x="0" y="0"/>
+          <a:chExt cx="0" cy="0"/>
+        </a:xfrm>
+      </p:grpSpPr>
+      <p:sp>
+        <p:nvSpPr>
+          <p:cNvPr id="2" name="Title 1"/>
+          <p:cNvSpPr>
+            <a:spLocks noGrp="1"/>
+          </p:cNvSpPr>
+          <p:nvPr>
+            <p:ph type="title"/>
+          </p:nvPr>
+        </p:nvSpPr>
+        <p:spPr/>
+        <p:txBody>
+          <a:bodyPr/>
+          <a:lstStyle/>
+          <a:p>
+            <a:r>
+              <a:rPr lang="en-US" dirty="0" smtClean="0"/>
+              <a:t>Installing SAC</a:t>
+            </a:r>
+            <a:endParaRPr lang="en-US" dirty="0"/>
+          </a:p>
+        </p:txBody>
+      </p:sp>
+      <p:sp>
+        <p:nvSpPr>
+          <p:cNvPr id="3" name="Content Placeholder 2"/>
+          <p:cNvSpPr>
+            <a:spLocks noGrp="1"/>
+          </p:cNvSpPr>
+          <p:nvPr>
+            <p:ph idx="1"/>
+          </p:nvPr>
+        </p:nvSpPr>
+        <p:spPr/>
+        <p:txBody>
+          <a:bodyPr/>
+          <a:lstStyle/>
+          <a:p>
+            <a:r>
+              <a:rPr lang="en-US" dirty="0" smtClean="0"/>
+              <a:t>Getting SAC</a:t>
+            </a:r>
+          </a:p>
+          <a:p>
+            <a:pPr lvl="1"/>
+            <a:r>
+              <a:rPr lang="pl-PL" dirty="0">
+                <a:hlinkClick r:id="rId2"/>
+              </a:rPr>
+              <a:t>http://www.iris.edu/dms/nodes/dmc/forms/sac</a:t>
+            </a:r>
+            <a:r>
+              <a:rPr lang="pl-PL" dirty="0" smtClean="0">
+                <a:hlinkClick r:id="rId2"/>
+              </a:rPr>
+              <a:t>/</a:t>
+            </a:r>
+            <a:endParaRPr lang="pl-PL" dirty="0" smtClean="0"/>
+          </a:p>
+          <a:p>
+            <a:r>
+              <a:rPr lang="pl-PL" dirty="0" smtClean="0"/>
+              <a:t>SAC </a:t>
+            </a:r>
+            <a:r>
+              <a:rPr lang="pl-PL" dirty="0" err="1" smtClean="0"/>
+              <a:t>Tutoria</a:t>
+            </a:r>
+            <a:r>
+              <a:rPr lang="pl-PL" dirty="0" err="1" smtClean="0"/>
+              <a:t>l</a:t>
+            </a:r>
+            <a:r>
+              <a:rPr lang="pl-PL" dirty="0" smtClean="0"/>
+              <a:t> </a:t>
+            </a:r>
+          </a:p>
+          <a:p>
+            <a:pPr lvl="1"/>
+            <a:r>
+              <a:rPr lang="pl-PL" dirty="0">
+                <a:hlinkClick r:id="rId3"/>
+              </a:rPr>
+              <a:t>http://www.iris.edu/files/sac-manual/manual/</a:t>
+            </a:r>
+            <a:r>
+              <a:rPr lang="pl-PL" dirty="0" smtClean="0">
+                <a:hlinkClick r:id="rId3"/>
+              </a:rPr>
+              <a:t>tutorial.html</a:t>
+            </a:r>
+            <a:r>
+              <a:rPr lang="pl-PL" dirty="0" smtClean="0"/>
+              <a:t> </a:t>
+            </a:r>
+            <a:endParaRPr lang="pl-PL" dirty="0" smtClean="0"/>
+          </a:p>
+        </p:txBody>
+      </p:sp>
+    </p:spTree>
+    <p:extLst>
+      <p:ext uri="{BB962C8B-B14F-4D97-AF65-F5344CB8AC3E}">
+        <p14:creationId xmlns:p14="http://schemas.microsoft.com/office/powerpoint/2010/main" val="4073924252"/>
+      </p:ext>
+    </p:extLst>
+  </p:cSld>
+  <p:clrMapOvr>
+    <a:masterClrMapping/>
+  </p:clrMapOvr>
+</p:sld>
+</file>
+
+<file path=ppt/slides/slide8.xml><?xml version="1.0" encoding="utf-8"?>
+<p:sld xmlns:a="http://schemas.openxmlformats.org/drawingml/2006/main" xmlns:r="http://schemas.openxmlformats.org/officeDocument/2006/relationships" xmlns:p="http://schemas.openxmlformats.org/presentationml/2006/main">
+  <p:cSld>
+    <p:spTree>
+      <p:nvGrpSpPr>
+        <p:cNvPr id="1" name=""/>
+        <p:cNvGrpSpPr/>
+        <p:nvPr/>
+      </p:nvGrpSpPr>
+      <p:grpSpPr>
+        <a:xfrm>
+          <a:off x="0" y="0"/>
+          <a:ext cx="0" cy="0"/>
+          <a:chOff x="0" y="0"/>
+          <a:chExt cx="0" cy="0"/>
+        </a:xfrm>
+      </p:grpSpPr>
+      <p:sp>
+        <p:nvSpPr>
+          <p:cNvPr id="2" name="Title 1"/>
+          <p:cNvSpPr>
+            <a:spLocks noGrp="1"/>
+          </p:cNvSpPr>
+          <p:nvPr>
+            <p:ph type="title"/>
+          </p:nvPr>
+        </p:nvSpPr>
+        <p:spPr/>
+        <p:txBody>
+          <a:bodyPr/>
+          <a:lstStyle/>
+          <a:p>
+            <a:r>
+              <a:rPr lang="en-US" dirty="0" smtClean="0"/>
+              <a:t>Python</a:t>
+            </a:r>
+            <a:endParaRPr lang="en-US" dirty="0"/>
+          </a:p>
+        </p:txBody>
+      </p:sp>
+      <p:sp>
+        <p:nvSpPr>
+          <p:cNvPr id="3" name="Content Placeholder 2"/>
+          <p:cNvSpPr>
+            <a:spLocks noGrp="1"/>
+          </p:cNvSpPr>
+          <p:nvPr>
+            <p:ph idx="1"/>
+          </p:nvPr>
+        </p:nvSpPr>
+        <p:spPr/>
+        <p:txBody>
+          <a:bodyPr/>
+          <a:lstStyle/>
+          <a:p>
+            <a:r>
+              <a:rPr lang="en-US" dirty="0" smtClean="0"/>
+              <a:t>General purpose language</a:t>
+            </a:r>
+          </a:p>
+          <a:p>
+            <a:r>
+              <a:rPr lang="en-US" dirty="0" smtClean="0"/>
+              <a:t>High-level</a:t>
+            </a:r>
+          </a:p>
+          <a:p>
+            <a:r>
+              <a:rPr lang="en-US" dirty="0" smtClean="0"/>
+              <a:t>Commonly used for teaching intro CS classes </a:t>
+            </a:r>
+          </a:p>
+          <a:p>
+            <a:r>
+              <a:rPr lang="en-US" dirty="0" smtClean="0"/>
+              <a:t>Open source</a:t>
+            </a:r>
+          </a:p>
+          <a:p>
+            <a:r>
+              <a:rPr lang="en-US" dirty="0" smtClean="0"/>
+              <a:t>Scripting allowed </a:t>
+            </a:r>
+            <a:endParaRPr lang="en-US" dirty="0"/>
+          </a:p>
+        </p:txBody>
+      </p:sp>
+    </p:spTree>
+    <p:extLst>
+      <p:ext uri="{BB962C8B-B14F-4D97-AF65-F5344CB8AC3E}">
+        <p14:creationId xmlns:p14="http://schemas.microsoft.com/office/powerpoint/2010/main" val="2560964455"/>
+      </p:ext>
+    </p:extLst>
+  </p:cSld>
+  <p:clrMapOvr>
+    <a:masterClrMapping/>
+  </p:clrMapOvr>
+</p:sld>
+</file>
+
+<file path=ppt/slides/slide9.xml><?xml version="1.0" encoding="utf-8"?>
+<p:sld xmlns:a="http://schemas.openxmlformats.org/drawingml/2006/main" xmlns:r="http://schemas.openxmlformats.org/officeDocument/2006/relationships" xmlns:p="http://schemas.openxmlformats.org/presentationml/2006/main">
+  <p:cSld>
+    <p:spTree>
+      <p:nvGrpSpPr>
+        <p:cNvPr id="1" name=""/>
+        <p:cNvGrpSpPr/>
+        <p:nvPr/>
+      </p:nvGrpSpPr>
+      <p:grpSpPr>
+        <a:xfrm>
+          <a:off x="0" y="0"/>
+          <a:ext cx="0" cy="0"/>
+          <a:chOff x="0" y="0"/>
+          <a:chExt cx="0" cy="0"/>
+        </a:xfrm>
+      </p:grpSpPr>
+      <p:sp>
+        <p:nvSpPr>
+          <p:cNvPr id="2" name="Title 1"/>
+          <p:cNvSpPr>
+            <a:spLocks noGrp="1"/>
+          </p:cNvSpPr>
+          <p:nvPr>
+            <p:ph type="title"/>
+          </p:nvPr>
+        </p:nvSpPr>
+        <p:spPr/>
+        <p:txBody>
+          <a:bodyPr/>
+          <a:lstStyle/>
+          <a:p>
+            <a:r>
+              <a:rPr lang="en-US" dirty="0" smtClean="0"/>
+              <a:t>Installing Python</a:t>
+            </a:r>
+            <a:endParaRPr lang="en-US" dirty="0"/>
+          </a:p>
+        </p:txBody>
+      </p:sp>
+      <p:sp>
+        <p:nvSpPr>
+          <p:cNvPr id="3" name="Content Placeholder 2"/>
+          <p:cNvSpPr>
+            <a:spLocks noGrp="1"/>
+          </p:cNvSpPr>
+          <p:nvPr>
+            <p:ph idx="1"/>
+          </p:nvPr>
+        </p:nvSpPr>
+        <p:spPr/>
+        <p:txBody>
+          <a:bodyPr/>
+          <a:lstStyle/>
+          <a:p>
+            <a:endParaRPr lang="en-US"/>
+          </a:p>
+        </p:txBody>
+      </p:sp>
+    </p:spTree>
+    <p:extLst>
+      <p:ext uri="{BB962C8B-B14F-4D97-AF65-F5344CB8AC3E}">
+        <p14:creationId xmlns:p14="http://schemas.microsoft.com/office/powerpoint/2010/main" val="2707125529"/>
       </p:ext>
     </p:extLst>
   </p:cSld>

--- a/InstallingCommonPrograms/InstallingCommonPrograms.pptx
+++ b/InstallingCommonPrograms/InstallingCommonPrograms.pptx
@@ -14,7 +14,8 @@
     <p:sldId id="257" r:id="rId8"/>
     <p:sldId id="258" r:id="rId9"/>
     <p:sldId id="264" r:id="rId10"/>
-    <p:sldId id="259" r:id="rId11"/>
+    <p:sldId id="266" r:id="rId11"/>
+    <p:sldId id="259" r:id="rId12"/>
   </p:sldIdLst>
   <p:sldSz cx="9144000" cy="6858000" type="screen4x3"/>
   <p:notesSz cx="6858000" cy="9144000"/>
@@ -3216,13 +3217,52 @@
           <a:lstStyle/>
           <a:p>
             <a:r>
-              <a:rPr lang="en-US" dirty="0" smtClean="0"/>
-              <a:t>Installing </a:t>
-            </a:r>
-            <a:r>
               <a:rPr lang="en-US" dirty="0" err="1" smtClean="0"/>
               <a:t>Obspy</a:t>
             </a:r>
+            <a:endParaRPr lang="en-US" dirty="0"/>
+          </a:p>
+        </p:txBody>
+      </p:sp>
+      <p:sp>
+        <p:nvSpPr>
+          <p:cNvPr id="3" name="Content Placeholder 2"/>
+          <p:cNvSpPr>
+            <a:spLocks noGrp="1"/>
+          </p:cNvSpPr>
+          <p:nvPr>
+            <p:ph idx="1"/>
+          </p:nvPr>
+        </p:nvSpPr>
+        <p:spPr/>
+        <p:txBody>
+          <a:bodyPr/>
+          <a:lstStyle/>
+          <a:p>
+            <a:r>
+              <a:rPr lang="en-US" dirty="0" smtClean="0"/>
+              <a:t>Python library made for processing seismic data</a:t>
+            </a:r>
+          </a:p>
+          <a:p>
+            <a:r>
+              <a:rPr lang="en-US" dirty="0" smtClean="0"/>
+              <a:t>Very useful if you ever need to develop code for seismology research </a:t>
+            </a:r>
+          </a:p>
+          <a:p>
+            <a:r>
+              <a:rPr lang="en-US" dirty="0">
+                <a:hlinkClick r:id="rId2"/>
+              </a:rPr>
+              <a:t>https://github.com/obspy/obspy/</a:t>
+            </a:r>
+            <a:r>
+              <a:rPr lang="en-US" dirty="0" smtClean="0">
+                <a:hlinkClick r:id="rId2"/>
+              </a:rPr>
+              <a:t>wiki</a:t>
+            </a:r>
             <a:r>
               <a:rPr lang="en-US" dirty="0" smtClean="0"/>
               <a:t> </a:t>
@@ -3231,6 +3271,67 @@
           </a:p>
         </p:txBody>
       </p:sp>
+    </p:spTree>
+    <p:extLst>
+      <p:ext uri="{BB962C8B-B14F-4D97-AF65-F5344CB8AC3E}">
+        <p14:creationId xmlns:p14="http://schemas.microsoft.com/office/powerpoint/2010/main" val="3393172696"/>
+      </p:ext>
+    </p:extLst>
+  </p:cSld>
+  <p:clrMapOvr>
+    <a:masterClrMapping/>
+  </p:clrMapOvr>
+</p:sld>
+</file>
+
+<file path=ppt/slides/slide11.xml><?xml version="1.0" encoding="utf-8"?>
+<p:sld xmlns:a="http://schemas.openxmlformats.org/drawingml/2006/main" xmlns:r="http://schemas.openxmlformats.org/officeDocument/2006/relationships" xmlns:p="http://schemas.openxmlformats.org/presentationml/2006/main">
+  <p:cSld>
+    <p:spTree>
+      <p:nvGrpSpPr>
+        <p:cNvPr id="1" name=""/>
+        <p:cNvGrpSpPr/>
+        <p:nvPr/>
+      </p:nvGrpSpPr>
+      <p:grpSpPr>
+        <a:xfrm>
+          <a:off x="0" y="0"/>
+          <a:ext cx="0" cy="0"/>
+          <a:chOff x="0" y="0"/>
+          <a:chExt cx="0" cy="0"/>
+        </a:xfrm>
+      </p:grpSpPr>
+      <p:sp>
+        <p:nvSpPr>
+          <p:cNvPr id="2" name="Title 1"/>
+          <p:cNvSpPr>
+            <a:spLocks noGrp="1"/>
+          </p:cNvSpPr>
+          <p:nvPr>
+            <p:ph type="title"/>
+          </p:nvPr>
+        </p:nvSpPr>
+        <p:spPr/>
+        <p:txBody>
+          <a:bodyPr/>
+          <a:lstStyle/>
+          <a:p>
+            <a:r>
+              <a:rPr lang="en-US" dirty="0" smtClean="0"/>
+              <a:t>Installing </a:t>
+            </a:r>
+            <a:r>
+              <a:rPr lang="en-US" dirty="0" err="1" smtClean="0"/>
+              <a:t>Obspy</a:t>
+            </a:r>
+            <a:r>
+              <a:rPr lang="en-US" dirty="0" smtClean="0"/>
+              <a:t> </a:t>
+            </a:r>
+            <a:endParaRPr lang="en-US" dirty="0"/>
+          </a:p>
+        </p:txBody>
+      </p:sp>
       <p:sp>
         <p:nvSpPr>
           <p:cNvPr id="3" name="Content Placeholder 2"/>
@@ -3246,7 +3347,34 @@
           <a:bodyPr/>
           <a:lstStyle/>
           <a:p>
-            <a:endParaRPr lang="en-US"/>
+            <a:r>
+              <a:rPr lang="en-US" dirty="0" err="1" smtClean="0"/>
+              <a:t>Macports</a:t>
+            </a:r>
+            <a:r>
+              <a:rPr lang="en-US" dirty="0" smtClean="0"/>
+              <a:t> seems the best way: </a:t>
+            </a:r>
+          </a:p>
+          <a:p>
+            <a:pPr lvl="1"/>
+            <a:r>
+              <a:rPr lang="en-US" dirty="0">
+                <a:hlinkClick r:id="rId2"/>
+              </a:rPr>
+              <a:t>https://github.com/obspy/obspy/wiki/Installation-on-Mac-OS-X-using-</a:t>
+            </a:r>
+            <a:r>
+              <a:rPr lang="en-US" dirty="0" smtClean="0">
+                <a:hlinkClick r:id="rId2"/>
+              </a:rPr>
+              <a:t>Macports</a:t>
+            </a:r>
+            <a:r>
+              <a:rPr lang="en-US" smtClean="0"/>
+              <a:t> </a:t>
+            </a:r>
+            <a:endParaRPr lang="en-US" dirty="0"/>
           </a:p>
         </p:txBody>
       </p:sp>
@@ -3759,14 +3887,76 @@
         </p:nvSpPr>
         <p:spPr/>
         <p:txBody>
-          <a:bodyPr/>
-          <a:lstStyle/>
-          <a:p>
-            <a:r>
-              <a:rPr lang="en-US" smtClean="0"/>
-              <a:t>Download</a:t>
-            </a:r>
-            <a:endParaRPr lang="en-US" dirty="0"/>
+          <a:bodyPr>
+            <a:normAutofit lnSpcReduction="10000"/>
+          </a:bodyPr>
+          <a:lstStyle/>
+          <a:p>
+            <a:r>
+              <a:rPr lang="en-US" dirty="0" smtClean="0"/>
+              <a:t>Download </a:t>
+            </a:r>
+            <a:r>
+              <a:rPr lang="en-US" dirty="0"/>
+              <a:t>this script: </a:t>
+            </a:r>
+            <a:r>
+              <a:rPr lang="en-US" dirty="0">
+                <a:hlinkClick r:id="rId2"/>
+              </a:rPr>
+              <a:t>https://github.com/lkloh/USArray/blob/master/InstallingCommonPrograms/</a:t>
+            </a:r>
+            <a:r>
+              <a:rPr lang="en-US" dirty="0" smtClean="0">
+                <a:hlinkClick r:id="rId2"/>
+              </a:rPr>
+              <a:t>usarray_example.sh</a:t>
+            </a:r>
+            <a:endParaRPr lang="en-US" dirty="0" smtClean="0"/>
+          </a:p>
+          <a:p>
+            <a:r>
+              <a:rPr lang="en-US" dirty="0" smtClean="0"/>
+              <a:t>Put it somewhere on your computer</a:t>
+            </a:r>
+          </a:p>
+          <a:p>
+            <a:r>
+              <a:rPr lang="en-US" dirty="0" smtClean="0"/>
+              <a:t>Get the path to this script</a:t>
+            </a:r>
+          </a:p>
+          <a:p>
+            <a:pPr lvl="1"/>
+            <a:r>
+              <a:rPr lang="en-US" b="1" dirty="0" smtClean="0"/>
+              <a:t>&lt;path-to-file&gt;</a:t>
+            </a:r>
+          </a:p>
+          <a:p>
+            <a:r>
+              <a:rPr lang="en-US" dirty="0" smtClean="0"/>
+              <a:t>Inside your .</a:t>
+            </a:r>
+            <a:r>
+              <a:rPr lang="en-US" dirty="0" err="1" smtClean="0"/>
+              <a:t>bash_profile</a:t>
+            </a:r>
+            <a:r>
+              <a:rPr lang="en-US" dirty="0" smtClean="0"/>
+              <a:t> file, type</a:t>
+            </a:r>
+          </a:p>
+          <a:p>
+            <a:pPr lvl="1"/>
+            <a:r>
+              <a:rPr lang="en-US" b="1" dirty="0"/>
+              <a:t>e</a:t>
+            </a:r>
+            <a:r>
+              <a:rPr lang="en-US" b="1" dirty="0" smtClean="0"/>
+              <a:t>xport PATH=$PATH &lt;path-to-file&gt;</a:t>
+            </a:r>
           </a:p>
         </p:txBody>
       </p:sp>
@@ -4214,7 +4404,59 @@
           <a:bodyPr/>
           <a:lstStyle/>
           <a:p>
-            <a:endParaRPr lang="en-US"/>
+            <a:r>
+              <a:rPr lang="en-US" dirty="0"/>
+              <a:t>Easy way: </a:t>
+            </a:r>
+            <a:r>
+              <a:rPr lang="en-US" dirty="0">
+                <a:hlinkClick r:id="rId2"/>
+              </a:rPr>
+              <a:t>https://store.enthought.com/downloads</a:t>
+            </a:r>
+            <a:r>
+              <a:rPr lang="en-US" dirty="0" smtClean="0">
+                <a:hlinkClick r:id="rId2"/>
+              </a:rPr>
+              <a:t>/</a:t>
+            </a:r>
+            <a:r>
+              <a:rPr lang="en-US" dirty="0" smtClean="0"/>
+              <a:t> </a:t>
+            </a:r>
+            <a:endParaRPr lang="en-US" dirty="0"/>
+          </a:p>
+          <a:p>
+            <a:r>
+              <a:rPr lang="en-US" dirty="0" smtClean="0"/>
+              <a:t>Hard </a:t>
+            </a:r>
+            <a:r>
+              <a:rPr lang="en-US" dirty="0" err="1" smtClean="0"/>
+              <a:t>way:</a:t>
+            </a:r>
+            <a:r>
+              <a:rPr lang="en-US" dirty="0" err="1" smtClean="0">
+                <a:hlinkClick r:id="rId3"/>
+              </a:rPr>
+              <a:t>http</a:t>
+            </a:r>
+            <a:r>
+              <a:rPr lang="en-US" dirty="0">
+                <a:hlinkClick r:id="rId3"/>
+              </a:rPr>
+              <a:t>://aimbat.readthedocs.org/en/latest/docfiles/</a:t>
+            </a:r>
+            <a:r>
+              <a:rPr lang="en-US" dirty="0" smtClean="0">
+                <a:hlinkClick r:id="rId3"/>
+              </a:rPr>
+              <a:t>install_dependencies.html</a:t>
+            </a:r>
+            <a:endParaRPr lang="en-US" dirty="0" smtClean="0"/>
+          </a:p>
+          <a:p>
+            <a:endParaRPr lang="en-US" dirty="0"/>
           </a:p>
         </p:txBody>
       </p:sp>
